--- a/RPG.pptx
+++ b/RPG.pptx
@@ -11328,8 +11328,8 @@
         </p:nvSpPr>
         <p:spPr>
           <a:xfrm>
-            <a:off x="1097280" y="1597892"/>
-            <a:ext cx="11260975" cy="3460947"/>
+            <a:off x="1097281" y="1588657"/>
+            <a:ext cx="10983884" cy="4692054"/>
           </a:xfrm>
           <a:prstGeom prst="rect">
             <a:avLst/>
@@ -11350,11 +11350,116 @@
             </a:pPr>
             <a:r>
               <a:rPr lang="en-US" sz="2800" b="1" dirty="0"/>
-              <a:t>Game Combat</a:t>
-            </a:r>
-          </a:p>
-          <a:p>
-            <a:pPr marL="971550" lvl="1" indent="-514350">
+              <a:t>Game Combat (Turn-Based Combat)</a:t>
+            </a:r>
+          </a:p>
+          <a:p>
+            <a:pPr marL="800100" lvl="1" indent="-342900">
+              <a:buFont typeface="Wingdings" panose="05000000000000000000" pitchFamily="2" charset="2"/>
+              <a:buChar char="Ø"/>
+            </a:pPr>
+            <a:r>
+              <a:rPr lang="en-US" sz="2000" dirty="0"/>
+              <a:t> Player’s turn:</a:t>
+            </a:r>
+          </a:p>
+          <a:p>
+            <a:pPr lvl="1"/>
+            <a:r>
+              <a:rPr lang="en-US" sz="2000" dirty="0"/>
+              <a:t>	-  All monsters within the player’s range will be listed. The player makes a decision by selecting </a:t>
+            </a:r>
+          </a:p>
+          <a:p>
+            <a:pPr lvl="1"/>
+            <a:r>
+              <a:rPr lang="en-US" sz="2000" dirty="0"/>
+              <a:t>	   one of the following choices:</a:t>
+            </a:r>
+          </a:p>
+          <a:p>
+            <a:pPr lvl="1">
+              <a:lnSpc>
+                <a:spcPct val="150000"/>
+              </a:lnSpc>
+            </a:pPr>
+            <a:r>
+              <a:rPr lang="en-US" sz="2000" dirty="0"/>
+              <a:t>	   	+  Move</a:t>
+            </a:r>
+          </a:p>
+          <a:p>
+            <a:pPr lvl="1">
+              <a:lnSpc>
+                <a:spcPct val="150000"/>
+              </a:lnSpc>
+            </a:pPr>
+            <a:r>
+              <a:rPr lang="en-US" sz="2000" dirty="0"/>
+              <a:t>	   	+  Attack (player selects one monster to attack)</a:t>
+            </a:r>
+          </a:p>
+          <a:p>
+            <a:pPr lvl="1">
+              <a:lnSpc>
+                <a:spcPct val="150000"/>
+              </a:lnSpc>
+            </a:pPr>
+            <a:r>
+              <a:rPr lang="en-US" sz="2000" dirty="0"/>
+              <a:t>	   	+  Take Potion (if available in inventory)</a:t>
+            </a:r>
+          </a:p>
+          <a:p>
+            <a:pPr marL="800100" lvl="1" indent="-342900">
+              <a:buFont typeface="Wingdings" panose="05000000000000000000" pitchFamily="2" charset="2"/>
+              <a:buChar char="Ø"/>
+            </a:pPr>
+            <a:r>
+              <a:rPr lang="en-US" sz="2000" dirty="0"/>
+              <a:t>Monster’s turn:</a:t>
+            </a:r>
+          </a:p>
+          <a:p>
+            <a:pPr lvl="1">
+              <a:lnSpc>
+                <a:spcPct val="150000"/>
+              </a:lnSpc>
+            </a:pPr>
+            <a:r>
+              <a:rPr lang="en-US" sz="2000" dirty="0"/>
+              <a:t>		+ Move (if player </a:t>
+            </a:r>
+            <a:r>
+              <a:rPr lang="en-US" sz="2000" i="1" dirty="0"/>
+              <a:t>is not </a:t>
+            </a:r>
+            <a:r>
+              <a:rPr lang="en-US" sz="2000" dirty="0"/>
+              <a:t>within the monster’s range)</a:t>
+            </a:r>
+          </a:p>
+          <a:p>
+            <a:pPr lvl="1">
+              <a:lnSpc>
+                <a:spcPct val="150000"/>
+              </a:lnSpc>
+            </a:pPr>
+            <a:r>
+              <a:rPr lang="en-US" sz="2000" dirty="0"/>
+              <a:t>		+ Attack (if player </a:t>
+            </a:r>
+            <a:r>
+              <a:rPr lang="en-US" sz="2000" i="1" dirty="0"/>
+              <a:t>is</a:t>
+            </a:r>
+            <a:r>
+              <a:rPr lang="en-US" sz="2000" dirty="0"/>
+              <a:t> within the monster’s range)</a:t>
+            </a:r>
+          </a:p>
+          <a:p>
+            <a:pPr marL="800100" lvl="1" indent="-342900">
               <a:lnSpc>
                 <a:spcPct val="150000"/>
               </a:lnSpc>
@@ -11363,69 +11468,7 @@
             </a:pPr>
             <a:r>
               <a:rPr lang="en-US" sz="2000" dirty="0"/>
-              <a:t> Turn-based combat:</a:t>
-            </a:r>
-          </a:p>
-          <a:p>
-            <a:pPr lvl="1">
-              <a:lnSpc>
-                <a:spcPct val="150000"/>
-              </a:lnSpc>
-            </a:pPr>
-            <a:r>
-              <a:rPr lang="en-US" sz="2000" dirty="0"/>
-              <a:t>	 -  All monsters within the hero’s range are ư:</a:t>
-            </a:r>
-          </a:p>
-          <a:p>
-            <a:pPr lvl="1">
-              <a:lnSpc>
-                <a:spcPct val="150000"/>
-              </a:lnSpc>
-            </a:pPr>
-            <a:r>
-              <a:rPr lang="en-US" sz="2000" dirty="0"/>
-              <a:t>		+ Run</a:t>
-            </a:r>
-          </a:p>
-          <a:p>
-            <a:pPr lvl="1">
-              <a:lnSpc>
-                <a:spcPct val="150000"/>
-              </a:lnSpc>
-            </a:pPr>
-            <a:r>
-              <a:rPr lang="en-US" sz="2000" dirty="0"/>
-              <a:t>		+ Fight </a:t>
-            </a:r>
-            <a:r>
-              <a:rPr lang="en-US" sz="2000" dirty="0">
-                <a:sym typeface="Wingdings" panose="05000000000000000000" pitchFamily="2" charset="2"/>
-              </a:rPr>
-              <a:t> select a monster to fight  Run/Attack</a:t>
-            </a:r>
-            <a:endParaRPr lang="en-US" sz="2000" dirty="0"/>
-          </a:p>
-          <a:p>
-            <a:pPr lvl="1">
-              <a:lnSpc>
-                <a:spcPct val="150000"/>
-              </a:lnSpc>
-            </a:pPr>
-            <a:r>
-              <a:rPr lang="en-US" sz="2000" dirty="0"/>
-              <a:t>	 -  Attacks of hero and monsters in each turn are determined by using dice rolls.</a:t>
-            </a:r>
-          </a:p>
-          <a:p>
-            <a:pPr lvl="1">
-              <a:lnSpc>
-                <a:spcPct val="150000"/>
-              </a:lnSpc>
-            </a:pPr>
-            <a:r>
-              <a:rPr lang="en-US" sz="2000" dirty="0"/>
-              <a:t>	</a:t>
+              <a:t>An amount of attack dame in each turn is determined by using dice rolls.			</a:t>
             </a:r>
           </a:p>
         </p:txBody>

--- a/RPG.pptx
+++ b/RPG.pptx
@@ -11562,31 +11562,310 @@
           </a:p>
         </p:txBody>
       </p:sp>
-      <p:sp>
-        <p:nvSpPr>
-          <p:cNvPr id="3" name="Content Placeholder 2">
-            <a:extLst>
-              <a:ext uri="{FF2B5EF4-FFF2-40B4-BE49-F238E27FC236}">
-                <a16:creationId xmlns:a16="http://schemas.microsoft.com/office/drawing/2014/main" id="{56548935-7519-BB7E-2D1B-D835F399E51E}"/>
-              </a:ext>
-            </a:extLst>
-          </p:cNvPr>
-          <p:cNvSpPr>
-            <a:spLocks noGrp="1"/>
-          </p:cNvSpPr>
+      <p:graphicFrame>
+        <p:nvGraphicFramePr>
+          <p:cNvPr id="5" name="Content Placeholder 4">
+            <a:extLst>
+              <a:ext uri="{FF2B5EF4-FFF2-40B4-BE49-F238E27FC236}">
+                <a16:creationId xmlns:a16="http://schemas.microsoft.com/office/drawing/2014/main" id="{3872348D-C7D3-C9F6-6016-0D996293DD0D}"/>
+              </a:ext>
+            </a:extLst>
+          </p:cNvPr>
+          <p:cNvGraphicFramePr>
+            <a:graphicFrameLocks noGrp="1"/>
+          </p:cNvGraphicFramePr>
           <p:nvPr>
             <p:ph idx="1"/>
+            <p:extLst>
+              <p:ext uri="{D42A27DB-BD31-4B8C-83A1-F6EECF244321}">
+                <p14:modId xmlns:p14="http://schemas.microsoft.com/office/powerpoint/2010/main" val="2159292458"/>
+              </p:ext>
+            </p:extLst>
           </p:nvPr>
-        </p:nvSpPr>
-        <p:spPr/>
-        <p:txBody>
-          <a:bodyPr/>
-          <a:lstStyle/>
-          <a:p>
-            <a:endParaRPr lang="en-US" dirty="0"/>
-          </a:p>
-        </p:txBody>
-      </p:sp>
+        </p:nvGraphicFramePr>
+        <p:xfrm>
+          <a:off x="1154083" y="2209800"/>
+          <a:ext cx="10058400" cy="3108960"/>
+        </p:xfrm>
+        <a:graphic>
+          <a:graphicData uri="http://schemas.openxmlformats.org/drawingml/2006/table">
+            <a:tbl>
+              <a:tblPr firstRow="1" bandRow="1">
+                <a:tableStyleId>{5C22544A-7EE6-4342-B048-85BDC9FD1C3A}</a:tableStyleId>
+              </a:tblPr>
+              <a:tblGrid>
+                <a:gridCol w="5029200">
+                  <a:extLst>
+                    <a:ext uri="{9D8B030D-6E8A-4147-A177-3AD203B41FA5}">
+                      <a16:colId xmlns:a16="http://schemas.microsoft.com/office/drawing/2014/main" val="4110277893"/>
+                    </a:ext>
+                  </a:extLst>
+                </a:gridCol>
+                <a:gridCol w="5029200">
+                  <a:extLst>
+                    <a:ext uri="{9D8B030D-6E8A-4147-A177-3AD203B41FA5}">
+                      <a16:colId xmlns:a16="http://schemas.microsoft.com/office/drawing/2014/main" val="839754116"/>
+                    </a:ext>
+                  </a:extLst>
+                </a:gridCol>
+              </a:tblGrid>
+              <a:tr h="370840">
+                <a:tc>
+                  <a:txBody>
+                    <a:bodyPr/>
+                    <a:lstStyle/>
+                    <a:p>
+                      <a:pPr algn="ctr"/>
+                      <a:r>
+                        <a:rPr lang="en-US" sz="2800" dirty="0">
+                          <a:solidFill>
+                            <a:schemeClr val="tx1"/>
+                          </a:solidFill>
+                        </a:rPr>
+                        <a:t>TASK</a:t>
+                      </a:r>
+                    </a:p>
+                  </a:txBody>
+                  <a:tcPr/>
+                </a:tc>
+                <a:tc>
+                  <a:txBody>
+                    <a:bodyPr/>
+                    <a:lstStyle/>
+                    <a:p>
+                      <a:pPr algn="ctr"/>
+                      <a:r>
+                        <a:rPr lang="en-US" sz="2800" dirty="0">
+                          <a:solidFill>
+                            <a:schemeClr val="tx1"/>
+                          </a:solidFill>
+                        </a:rPr>
+                        <a:t>IMPLEMENTER</a:t>
+                      </a:r>
+                    </a:p>
+                  </a:txBody>
+                  <a:tcPr/>
+                </a:tc>
+                <a:extLst>
+                  <a:ext uri="{0D108BD9-81ED-4DB2-BD59-A6C34878D82A}">
+                    <a16:rowId xmlns:a16="http://schemas.microsoft.com/office/drawing/2014/main" val="2874108210"/>
+                  </a:ext>
+                </a:extLst>
+              </a:tr>
+              <a:tr h="370840">
+                <a:tc>
+                  <a:txBody>
+                    <a:bodyPr/>
+                    <a:lstStyle/>
+                    <a:p>
+                      <a:r>
+                        <a:rPr lang="en-US" sz="2800" dirty="0"/>
+                        <a:t>1.  Display Objects</a:t>
+                      </a:r>
+                    </a:p>
+                  </a:txBody>
+                  <a:tcPr/>
+                </a:tc>
+                <a:tc>
+                  <a:txBody>
+                    <a:bodyPr/>
+                    <a:lstStyle/>
+                    <a:p>
+                      <a:r>
+                        <a:rPr lang="en-US" sz="2800" dirty="0" err="1"/>
+                        <a:t>Tạ</a:t>
+                      </a:r>
+                      <a:r>
+                        <a:rPr lang="en-US" sz="2800" dirty="0"/>
+                        <a:t> </a:t>
+                      </a:r>
+                      <a:r>
+                        <a:rPr lang="en-US" sz="2800" dirty="0" err="1"/>
+                        <a:t>Đức</a:t>
+                      </a:r>
+                      <a:r>
+                        <a:rPr lang="en-US" sz="2800" dirty="0"/>
+                        <a:t> Duy</a:t>
+                      </a:r>
+                    </a:p>
+                  </a:txBody>
+                  <a:tcPr/>
+                </a:tc>
+                <a:extLst>
+                  <a:ext uri="{0D108BD9-81ED-4DB2-BD59-A6C34878D82A}">
+                    <a16:rowId xmlns:a16="http://schemas.microsoft.com/office/drawing/2014/main" val="770779433"/>
+                  </a:ext>
+                </a:extLst>
+              </a:tr>
+              <a:tr h="370840">
+                <a:tc>
+                  <a:txBody>
+                    <a:bodyPr/>
+                    <a:lstStyle/>
+                    <a:p>
+                      <a:r>
+                        <a:rPr lang="en-US" sz="2800" dirty="0"/>
+                        <a:t>2.  Moving </a:t>
+                      </a:r>
+                    </a:p>
+                  </a:txBody>
+                  <a:tcPr/>
+                </a:tc>
+                <a:tc>
+                  <a:txBody>
+                    <a:bodyPr/>
+                    <a:lstStyle/>
+                    <a:p>
+                      <a:r>
+                        <a:rPr lang="en-US" sz="2800" dirty="0" err="1"/>
+                        <a:t>Tạ</a:t>
+                      </a:r>
+                      <a:r>
+                        <a:rPr lang="en-US" sz="2800" dirty="0"/>
+                        <a:t> </a:t>
+                      </a:r>
+                      <a:r>
+                        <a:rPr lang="en-US" sz="2800" dirty="0" err="1"/>
+                        <a:t>Đức</a:t>
+                      </a:r>
+                      <a:r>
+                        <a:rPr lang="en-US" sz="2800" dirty="0"/>
+                        <a:t> Duy</a:t>
+                      </a:r>
+                    </a:p>
+                  </a:txBody>
+                  <a:tcPr/>
+                </a:tc>
+                <a:extLst>
+                  <a:ext uri="{0D108BD9-81ED-4DB2-BD59-A6C34878D82A}">
+                    <a16:rowId xmlns:a16="http://schemas.microsoft.com/office/drawing/2014/main" val="194226564"/>
+                  </a:ext>
+                </a:extLst>
+              </a:tr>
+              <a:tr h="370840">
+                <a:tc>
+                  <a:txBody>
+                    <a:bodyPr/>
+                    <a:lstStyle/>
+                    <a:p>
+                      <a:r>
+                        <a:rPr lang="en-US" sz="2800" dirty="0"/>
+                        <a:t>3.  Inventory</a:t>
+                      </a:r>
+                    </a:p>
+                  </a:txBody>
+                  <a:tcPr/>
+                </a:tc>
+                <a:tc>
+                  <a:txBody>
+                    <a:bodyPr/>
+                    <a:lstStyle/>
+                    <a:p>
+                      <a:r>
+                        <a:rPr lang="en-US" sz="2800" dirty="0" err="1"/>
+                        <a:t>Nguyễn</a:t>
+                      </a:r>
+                      <a:r>
+                        <a:rPr lang="en-US" sz="2800" dirty="0"/>
+                        <a:t> </a:t>
+                      </a:r>
+                      <a:r>
+                        <a:rPr lang="en-US" sz="2800" dirty="0" err="1"/>
+                        <a:t>Công</a:t>
+                      </a:r>
+                      <a:r>
+                        <a:rPr lang="en-US" sz="2800" dirty="0"/>
+                        <a:t> Duy</a:t>
+                      </a:r>
+                    </a:p>
+                  </a:txBody>
+                  <a:tcPr/>
+                </a:tc>
+                <a:extLst>
+                  <a:ext uri="{0D108BD9-81ED-4DB2-BD59-A6C34878D82A}">
+                    <a16:rowId xmlns:a16="http://schemas.microsoft.com/office/drawing/2014/main" val="722431868"/>
+                  </a:ext>
+                </a:extLst>
+              </a:tr>
+              <a:tr h="370840">
+                <a:tc>
+                  <a:txBody>
+                    <a:bodyPr/>
+                    <a:lstStyle/>
+                    <a:p>
+                      <a:r>
+                        <a:rPr lang="en-US" sz="2800" dirty="0"/>
+                        <a:t>4.  Game Combat</a:t>
+                      </a:r>
+                    </a:p>
+                  </a:txBody>
+                  <a:tcPr/>
+                </a:tc>
+                <a:tc>
+                  <a:txBody>
+                    <a:bodyPr/>
+                    <a:lstStyle/>
+                    <a:p>
+                      <a:r>
+                        <a:rPr lang="en-US" sz="2800" dirty="0" err="1"/>
+                        <a:t>Trương</a:t>
+                      </a:r>
+                      <a:r>
+                        <a:rPr lang="en-US" sz="2800" dirty="0"/>
+                        <a:t> Thanh </a:t>
+                      </a:r>
+                      <a:r>
+                        <a:rPr lang="en-US" sz="2800" dirty="0" err="1"/>
+                        <a:t>Hùng</a:t>
+                      </a:r>
+                      <a:endParaRPr lang="en-US" sz="2800" dirty="0"/>
+                    </a:p>
+                  </a:txBody>
+                  <a:tcPr/>
+                </a:tc>
+                <a:extLst>
+                  <a:ext uri="{0D108BD9-81ED-4DB2-BD59-A6C34878D82A}">
+                    <a16:rowId xmlns:a16="http://schemas.microsoft.com/office/drawing/2014/main" val="583356689"/>
+                  </a:ext>
+                </a:extLst>
+              </a:tr>
+              <a:tr h="370840">
+                <a:tc>
+                  <a:txBody>
+                    <a:bodyPr/>
+                    <a:lstStyle/>
+                    <a:p>
+                      <a:r>
+                        <a:rPr lang="en-US" sz="2800" dirty="0"/>
+                        <a:t>5.  ………...............</a:t>
+                      </a:r>
+                    </a:p>
+                  </a:txBody>
+                  <a:tcPr/>
+                </a:tc>
+                <a:tc>
+                  <a:txBody>
+                    <a:bodyPr/>
+                    <a:lstStyle/>
+                    <a:p>
+                      <a:r>
+                        <a:rPr lang="en-US" sz="2800" dirty="0"/>
+                        <a:t>……………………………….</a:t>
+                      </a:r>
+                    </a:p>
+                  </a:txBody>
+                  <a:tcPr/>
+                </a:tc>
+                <a:extLst>
+                  <a:ext uri="{0D108BD9-81ED-4DB2-BD59-A6C34878D82A}">
+                    <a16:rowId xmlns:a16="http://schemas.microsoft.com/office/drawing/2014/main" val="463858616"/>
+                  </a:ext>
+                </a:extLst>
+              </a:tr>
+            </a:tbl>
+          </a:graphicData>
+        </a:graphic>
+      </p:graphicFrame>
       <p:sp>
         <p:nvSpPr>
           <p:cNvPr id="4" name="Slide Number Placeholder 3">

--- a/RPG.pptx
+++ b/RPG.pptx
@@ -217,7 +217,7 @@
           <a:p>
             <a:fld id="{A681DBF8-5D86-466E-9B0E-84A27B66BAAC}" type="datetimeFigureOut">
               <a:rPr lang="en-US" smtClean="0"/>
-              <a:t>21-Apr-24</a:t>
+              <a:t>22-Apr-24</a:t>
             </a:fld>
             <a:endParaRPr lang="en-US"/>
           </a:p>
@@ -794,7 +794,7 @@
           <a:p>
             <a:fld id="{C325BCC8-91AF-4513-9F54-21756D9694FA}" type="datetime1">
               <a:rPr lang="en-US" smtClean="0"/>
-              <a:t>21-Apr-24</a:t>
+              <a:t>22-Apr-24</a:t>
             </a:fld>
             <a:endParaRPr lang="en-US"/>
           </a:p>
@@ -1002,7 +1002,7 @@
           <a:p>
             <a:fld id="{5824A0F0-18A3-49B9-9039-121739399790}" type="datetime1">
               <a:rPr lang="en-US" smtClean="0"/>
-              <a:t>21-Apr-24</a:t>
+              <a:t>22-Apr-24</a:t>
             </a:fld>
             <a:endParaRPr lang="en-US"/>
           </a:p>
@@ -1258,7 +1258,7 @@
           <a:p>
             <a:fld id="{C9B72BE2-CDD2-49F6-A5AD-E1D21A7D4D10}" type="datetime1">
               <a:rPr lang="en-US" smtClean="0"/>
-              <a:t>21-Apr-24</a:t>
+              <a:t>22-Apr-24</a:t>
             </a:fld>
             <a:endParaRPr lang="en-US"/>
           </a:p>
@@ -1432,7 +1432,7 @@
           <a:p>
             <a:fld id="{6C11F7E7-67AF-4EA6-9FD3-43D31EB3B45B}" type="datetime1">
               <a:rPr lang="en-US" smtClean="0"/>
-              <a:t>21-Apr-24</a:t>
+              <a:t>22-Apr-24</a:t>
             </a:fld>
             <a:endParaRPr lang="en-US"/>
           </a:p>
@@ -1775,7 +1775,7 @@
           <a:p>
             <a:fld id="{63AF7723-95FE-4725-A95A-D8AE7A82ED93}" type="datetime1">
               <a:rPr lang="en-US" smtClean="0"/>
-              <a:t>21-Apr-24</a:t>
+              <a:t>22-Apr-24</a:t>
             </a:fld>
             <a:endParaRPr lang="en-US"/>
           </a:p>
@@ -2050,7 +2050,7 @@
           <a:p>
             <a:fld id="{25044513-A0DE-458D-9220-C3644B975B6E}" type="datetime1">
               <a:rPr lang="en-US" smtClean="0"/>
-              <a:t>21-Apr-24</a:t>
+              <a:t>22-Apr-24</a:t>
             </a:fld>
             <a:endParaRPr lang="en-US"/>
           </a:p>
@@ -2429,7 +2429,7 @@
           <a:p>
             <a:fld id="{B0E5338B-1A30-41D2-9DA7-9C78350036EE}" type="datetime1">
               <a:rPr lang="en-US" smtClean="0"/>
-              <a:t>21-Apr-24</a:t>
+              <a:t>22-Apr-24</a:t>
             </a:fld>
             <a:endParaRPr lang="en-US"/>
           </a:p>
@@ -2547,7 +2547,7 @@
           <a:p>
             <a:fld id="{A24DE108-E7D7-4B9A-9808-C6A377B631DA}" type="datetime1">
               <a:rPr lang="en-US" smtClean="0"/>
-              <a:t>21-Apr-24</a:t>
+              <a:t>22-Apr-24</a:t>
             </a:fld>
             <a:endParaRPr lang="en-US"/>
           </a:p>
@@ -2718,7 +2718,7 @@
           <a:p>
             <a:fld id="{13D440BA-64E8-4631-9535-DA8EA7CA9C8C}" type="datetime1">
               <a:rPr lang="en-US" smtClean="0"/>
-              <a:t>21-Apr-24</a:t>
+              <a:t>22-Apr-24</a:t>
             </a:fld>
             <a:endParaRPr lang="en-US"/>
           </a:p>
@@ -3072,7 +3072,7 @@
           <a:p>
             <a:fld id="{4871F74E-6843-4D8F-8C99-4E87BDFB8F62}" type="datetime1">
               <a:rPr lang="en-US" smtClean="0"/>
-              <a:t>21-Apr-24</a:t>
+              <a:t>22-Apr-24</a:t>
             </a:fld>
             <a:endParaRPr lang="en-US"/>
           </a:p>
@@ -3454,7 +3454,7 @@
           <a:p>
             <a:fld id="{F7280FF1-FDC9-4D24-80F8-A9F7A98E2BE5}" type="datetime1">
               <a:rPr lang="en-US" smtClean="0"/>
-              <a:t>21-Apr-24</a:t>
+              <a:t>22-Apr-24</a:t>
             </a:fld>
             <a:endParaRPr lang="en-US"/>
           </a:p>
@@ -3741,7 +3741,7 @@
           <a:p>
             <a:fld id="{F33271B2-94A1-429B-BF7D-C884D5C52734}" type="datetime1">
               <a:rPr lang="en-US" smtClean="0"/>
-              <a:t>21-Apr-24</a:t>
+              <a:t>22-Apr-24</a:t>
             </a:fld>
             <a:endParaRPr lang="en-US"/>
           </a:p>
@@ -11578,14 +11578,14 @@
             <p:ph idx="1"/>
             <p:extLst>
               <p:ext uri="{D42A27DB-BD31-4B8C-83A1-F6EECF244321}">
-                <p14:modId xmlns:p14="http://schemas.microsoft.com/office/powerpoint/2010/main" val="2159292458"/>
+                <p14:modId xmlns:p14="http://schemas.microsoft.com/office/powerpoint/2010/main" val="2783491846"/>
               </p:ext>
             </p:extLst>
           </p:nvPr>
         </p:nvGraphicFramePr>
         <p:xfrm>
-          <a:off x="1154083" y="2209800"/>
-          <a:ext cx="10058400" cy="3108960"/>
+          <a:off x="148936" y="2163618"/>
+          <a:ext cx="11970328" cy="3108960"/>
         </p:xfrm>
         <a:graphic>
           <a:graphicData uri="http://schemas.openxmlformats.org/drawingml/2006/table">
@@ -11594,14 +11594,14 @@
                 <a:tableStyleId>{5C22544A-7EE6-4342-B048-85BDC9FD1C3A}</a:tableStyleId>
               </a:tblPr>
               <a:tblGrid>
-                <a:gridCol w="5029200">
+                <a:gridCol w="5985164">
                   <a:extLst>
                     <a:ext uri="{9D8B030D-6E8A-4147-A177-3AD203B41FA5}">
                       <a16:colId xmlns:a16="http://schemas.microsoft.com/office/drawing/2014/main" val="4110277893"/>
                     </a:ext>
                   </a:extLst>
                 </a:gridCol>
-                <a:gridCol w="5029200">
+                <a:gridCol w="5985164">
                   <a:extLst>
                     <a:ext uri="{9D8B030D-6E8A-4147-A177-3AD203B41FA5}">
                       <a16:colId xmlns:a16="http://schemas.microsoft.com/office/drawing/2014/main" val="839754116"/>
@@ -11730,8 +11730,21 @@
                       </a:r>
                       <a:r>
                         <a:rPr lang="en-US" sz="2800" dirty="0"/>
-                        <a:t> Duy</a:t>
+                        <a:t> Duy + </a:t>
                       </a:r>
+                      <a:r>
+                        <a:rPr lang="en-US" sz="2800" dirty="0" err="1"/>
+                        <a:t>Trương</a:t>
+                      </a:r>
+                      <a:r>
+                        <a:rPr lang="en-US" sz="2800" dirty="0"/>
+                        <a:t> Thanh </a:t>
+                      </a:r>
+                      <a:r>
+                        <a:rPr lang="en-US" sz="2800" dirty="0" err="1"/>
+                        <a:t>Hùng</a:t>
+                      </a:r>
+                      <a:endParaRPr lang="en-US" sz="2800" dirty="0"/>
                     </a:p>
                   </a:txBody>
                   <a:tcPr/>
@@ -11818,7 +11831,26 @@
                         <a:rPr lang="en-US" sz="2800" dirty="0" err="1"/>
                         <a:t>Hùng</a:t>
                       </a:r>
-                      <a:endParaRPr lang="en-US" sz="2800" dirty="0"/>
+                      <a:r>
+                        <a:rPr lang="en-US" sz="2800" dirty="0"/>
+                        <a:t> + </a:t>
+                      </a:r>
+                      <a:r>
+                        <a:rPr lang="en-US" sz="2800" dirty="0" err="1"/>
+                        <a:t>Nguyễn</a:t>
+                      </a:r>
+                      <a:r>
+                        <a:rPr lang="en-US" sz="2800" dirty="0"/>
+                        <a:t> </a:t>
+                      </a:r>
+                      <a:r>
+                        <a:rPr lang="en-US" sz="2800" dirty="0" err="1"/>
+                        <a:t>Công</a:t>
+                      </a:r>
+                      <a:r>
+                        <a:rPr lang="en-US" sz="2800" dirty="0"/>
+                        <a:t> Duy</a:t>
+                      </a:r>
                     </a:p>
                   </a:txBody>
                   <a:tcPr/>
